--- a/ppt 16-9/1317.凡投靠你的.pptx
+++ b/ppt 16-9/1317.凡投靠你的.pptx
@@ -129,7 +129,7 @@
           <p:cNvPr id="2" name="标题 1">
             <a:extLst>
               <a:ext uri="{FF2B5EF4-FFF2-40B4-BE49-F238E27FC236}">
-                <a16:creationId xmlns:a16="http://schemas.microsoft.com/office/drawing/2014/main" id="{65CA273D-F24E-5770-5224-EA5E1624D8A1}"/>
+                <a16:creationId xmlns:a16="http://schemas.microsoft.com/office/drawing/2014/main" id="{19CB6782-6269-14D2-F92F-9889EEC7B84C}"/>
               </a:ext>
             </a:extLst>
           </p:cNvPr>
@@ -166,7 +166,7 @@
           <p:cNvPr id="3" name="副标题 2">
             <a:extLst>
               <a:ext uri="{FF2B5EF4-FFF2-40B4-BE49-F238E27FC236}">
-                <a16:creationId xmlns:a16="http://schemas.microsoft.com/office/drawing/2014/main" id="{671AB5DD-776C-E1F5-42BE-0D410F20E9E3}"/>
+                <a16:creationId xmlns:a16="http://schemas.microsoft.com/office/drawing/2014/main" id="{700AEAB3-319D-CC10-F0B7-19304BED6FD2}"/>
               </a:ext>
             </a:extLst>
           </p:cNvPr>
@@ -236,7 +236,7 @@
           <p:cNvPr id="4" name="日期占位符 3">
             <a:extLst>
               <a:ext uri="{FF2B5EF4-FFF2-40B4-BE49-F238E27FC236}">
-                <a16:creationId xmlns:a16="http://schemas.microsoft.com/office/drawing/2014/main" id="{38005B15-9893-78D4-7760-D2641F3E76E0}"/>
+                <a16:creationId xmlns:a16="http://schemas.microsoft.com/office/drawing/2014/main" id="{63BE0002-F21C-6E82-09C8-52F17AA08CA9}"/>
               </a:ext>
             </a:extLst>
           </p:cNvPr>
@@ -252,7 +252,7 @@
           <a:bodyPr/>
           <a:lstStyle/>
           <a:p>
-            <a:fld id="{8DDEFE9A-F131-40C0-B3FA-B655EB45DC9D}" type="datetimeFigureOut">
+            <a:fld id="{153324E0-4080-48D0-A853-9A9267D4EC66}" type="datetimeFigureOut">
               <a:rPr lang="zh-CN" altLang="en-US" smtClean="0"/>
               <a:t>2024/3/10</a:t>
             </a:fld>
@@ -265,7 +265,7 @@
           <p:cNvPr id="5" name="页脚占位符 4">
             <a:extLst>
               <a:ext uri="{FF2B5EF4-FFF2-40B4-BE49-F238E27FC236}">
-                <a16:creationId xmlns:a16="http://schemas.microsoft.com/office/drawing/2014/main" id="{26D9C9EB-2B00-BEB5-54D8-0E6100AFB35E}"/>
+                <a16:creationId xmlns:a16="http://schemas.microsoft.com/office/drawing/2014/main" id="{B76B01DB-270E-222D-9CA4-D24847B0224D}"/>
               </a:ext>
             </a:extLst>
           </p:cNvPr>
@@ -290,7 +290,7 @@
           <p:cNvPr id="6" name="灯片编号占位符 5">
             <a:extLst>
               <a:ext uri="{FF2B5EF4-FFF2-40B4-BE49-F238E27FC236}">
-                <a16:creationId xmlns:a16="http://schemas.microsoft.com/office/drawing/2014/main" id="{8884FD8B-1994-3E1C-F31B-8089B0611AEF}"/>
+                <a16:creationId xmlns:a16="http://schemas.microsoft.com/office/drawing/2014/main" id="{5C9EEF3D-7A0A-C193-6467-54F04CA926CA}"/>
               </a:ext>
             </a:extLst>
           </p:cNvPr>
@@ -306,7 +306,7 @@
           <a:bodyPr/>
           <a:lstStyle/>
           <a:p>
-            <a:fld id="{87627E96-0B99-49B3-BDBD-BF3A400AFB5A}" type="slidenum">
+            <a:fld id="{4C41D579-D9B9-42B5-8DA8-B26412D87590}" type="slidenum">
               <a:rPr lang="zh-CN" altLang="en-US" smtClean="0"/>
               <a:t>‹#›</a:t>
             </a:fld>
@@ -317,7 +317,7 @@
     </p:spTree>
     <p:extLst>
       <p:ext uri="{BB962C8B-B14F-4D97-AF65-F5344CB8AC3E}">
-        <p14:creationId xmlns:p14="http://schemas.microsoft.com/office/powerpoint/2010/main" val="3806077311"/>
+        <p14:creationId xmlns:p14="http://schemas.microsoft.com/office/powerpoint/2010/main" val="1813378257"/>
       </p:ext>
     </p:extLst>
   </p:cSld>
@@ -349,7 +349,7 @@
           <p:cNvPr id="2" name="标题 1">
             <a:extLst>
               <a:ext uri="{FF2B5EF4-FFF2-40B4-BE49-F238E27FC236}">
-                <a16:creationId xmlns:a16="http://schemas.microsoft.com/office/drawing/2014/main" id="{393515BC-ED96-9330-20A1-86719D6E15B0}"/>
+                <a16:creationId xmlns:a16="http://schemas.microsoft.com/office/drawing/2014/main" id="{0AE8BB8B-B9A4-3EB8-5D12-BCE84B11C92D}"/>
               </a:ext>
             </a:extLst>
           </p:cNvPr>
@@ -377,7 +377,7 @@
           <p:cNvPr id="3" name="竖排文字占位符 2">
             <a:extLst>
               <a:ext uri="{FF2B5EF4-FFF2-40B4-BE49-F238E27FC236}">
-                <a16:creationId xmlns:a16="http://schemas.microsoft.com/office/drawing/2014/main" id="{EE6895C2-EFDB-F981-A78E-D5B858487129}"/>
+                <a16:creationId xmlns:a16="http://schemas.microsoft.com/office/drawing/2014/main" id="{E5159603-3338-D644-CE2B-364798BE6824}"/>
               </a:ext>
             </a:extLst>
           </p:cNvPr>
@@ -434,7 +434,7 @@
           <p:cNvPr id="4" name="日期占位符 3">
             <a:extLst>
               <a:ext uri="{FF2B5EF4-FFF2-40B4-BE49-F238E27FC236}">
-                <a16:creationId xmlns:a16="http://schemas.microsoft.com/office/drawing/2014/main" id="{E532AB49-9A06-10D2-1693-D45F14F98E2B}"/>
+                <a16:creationId xmlns:a16="http://schemas.microsoft.com/office/drawing/2014/main" id="{BA415398-A5CF-5941-EE32-F65DCEF27D6A}"/>
               </a:ext>
             </a:extLst>
           </p:cNvPr>
@@ -450,7 +450,7 @@
           <a:bodyPr/>
           <a:lstStyle/>
           <a:p>
-            <a:fld id="{8DDEFE9A-F131-40C0-B3FA-B655EB45DC9D}" type="datetimeFigureOut">
+            <a:fld id="{153324E0-4080-48D0-A853-9A9267D4EC66}" type="datetimeFigureOut">
               <a:rPr lang="zh-CN" altLang="en-US" smtClean="0"/>
               <a:t>2024/3/10</a:t>
             </a:fld>
@@ -463,7 +463,7 @@
           <p:cNvPr id="5" name="页脚占位符 4">
             <a:extLst>
               <a:ext uri="{FF2B5EF4-FFF2-40B4-BE49-F238E27FC236}">
-                <a16:creationId xmlns:a16="http://schemas.microsoft.com/office/drawing/2014/main" id="{7DD1255E-643F-629D-8791-6B5A421E89CF}"/>
+                <a16:creationId xmlns:a16="http://schemas.microsoft.com/office/drawing/2014/main" id="{40E7CBE5-3F29-C996-CBE5-206341F0CD07}"/>
               </a:ext>
             </a:extLst>
           </p:cNvPr>
@@ -488,7 +488,7 @@
           <p:cNvPr id="6" name="灯片编号占位符 5">
             <a:extLst>
               <a:ext uri="{FF2B5EF4-FFF2-40B4-BE49-F238E27FC236}">
-                <a16:creationId xmlns:a16="http://schemas.microsoft.com/office/drawing/2014/main" id="{0603743C-BB2E-6059-C7E7-6C12474183AB}"/>
+                <a16:creationId xmlns:a16="http://schemas.microsoft.com/office/drawing/2014/main" id="{7082E2A7-2EE0-1897-4753-78D45FD156EB}"/>
               </a:ext>
             </a:extLst>
           </p:cNvPr>
@@ -504,7 +504,7 @@
           <a:bodyPr/>
           <a:lstStyle/>
           <a:p>
-            <a:fld id="{87627E96-0B99-49B3-BDBD-BF3A400AFB5A}" type="slidenum">
+            <a:fld id="{4C41D579-D9B9-42B5-8DA8-B26412D87590}" type="slidenum">
               <a:rPr lang="zh-CN" altLang="en-US" smtClean="0"/>
               <a:t>‹#›</a:t>
             </a:fld>
@@ -515,7 +515,7 @@
     </p:spTree>
     <p:extLst>
       <p:ext uri="{BB962C8B-B14F-4D97-AF65-F5344CB8AC3E}">
-        <p14:creationId xmlns:p14="http://schemas.microsoft.com/office/powerpoint/2010/main" val="3592496313"/>
+        <p14:creationId xmlns:p14="http://schemas.microsoft.com/office/powerpoint/2010/main" val="3890258222"/>
       </p:ext>
     </p:extLst>
   </p:cSld>
@@ -547,7 +547,7 @@
           <p:cNvPr id="2" name="竖排标题 1">
             <a:extLst>
               <a:ext uri="{FF2B5EF4-FFF2-40B4-BE49-F238E27FC236}">
-                <a16:creationId xmlns:a16="http://schemas.microsoft.com/office/drawing/2014/main" id="{8871635D-BA89-0CEF-1371-DF8DAF8420B4}"/>
+                <a16:creationId xmlns:a16="http://schemas.microsoft.com/office/drawing/2014/main" id="{BF85DF2E-CBA8-DB7C-0B5F-B57470FAAA53}"/>
               </a:ext>
             </a:extLst>
           </p:cNvPr>
@@ -580,7 +580,7 @@
           <p:cNvPr id="3" name="竖排文字占位符 2">
             <a:extLst>
               <a:ext uri="{FF2B5EF4-FFF2-40B4-BE49-F238E27FC236}">
-                <a16:creationId xmlns:a16="http://schemas.microsoft.com/office/drawing/2014/main" id="{F22BFC86-B89E-304F-2BB8-C90A61846292}"/>
+                <a16:creationId xmlns:a16="http://schemas.microsoft.com/office/drawing/2014/main" id="{EB9B6729-05A1-9711-A2C0-4F8C55C25E18}"/>
               </a:ext>
             </a:extLst>
           </p:cNvPr>
@@ -642,7 +642,7 @@
           <p:cNvPr id="4" name="日期占位符 3">
             <a:extLst>
               <a:ext uri="{FF2B5EF4-FFF2-40B4-BE49-F238E27FC236}">
-                <a16:creationId xmlns:a16="http://schemas.microsoft.com/office/drawing/2014/main" id="{A0DA12C8-0448-F5AA-7758-935740D4A27F}"/>
+                <a16:creationId xmlns:a16="http://schemas.microsoft.com/office/drawing/2014/main" id="{EE00621A-D391-AED8-7068-A8F6C62A6AEB}"/>
               </a:ext>
             </a:extLst>
           </p:cNvPr>
@@ -658,7 +658,7 @@
           <a:bodyPr/>
           <a:lstStyle/>
           <a:p>
-            <a:fld id="{8DDEFE9A-F131-40C0-B3FA-B655EB45DC9D}" type="datetimeFigureOut">
+            <a:fld id="{153324E0-4080-48D0-A853-9A9267D4EC66}" type="datetimeFigureOut">
               <a:rPr lang="zh-CN" altLang="en-US" smtClean="0"/>
               <a:t>2024/3/10</a:t>
             </a:fld>
@@ -671,7 +671,7 @@
           <p:cNvPr id="5" name="页脚占位符 4">
             <a:extLst>
               <a:ext uri="{FF2B5EF4-FFF2-40B4-BE49-F238E27FC236}">
-                <a16:creationId xmlns:a16="http://schemas.microsoft.com/office/drawing/2014/main" id="{AE8FD1B5-C270-55D2-5B6E-4F989CEF173C}"/>
+                <a16:creationId xmlns:a16="http://schemas.microsoft.com/office/drawing/2014/main" id="{F507895E-9A35-2DCB-29C2-6B37E5AAC079}"/>
               </a:ext>
             </a:extLst>
           </p:cNvPr>
@@ -696,7 +696,7 @@
           <p:cNvPr id="6" name="灯片编号占位符 5">
             <a:extLst>
               <a:ext uri="{FF2B5EF4-FFF2-40B4-BE49-F238E27FC236}">
-                <a16:creationId xmlns:a16="http://schemas.microsoft.com/office/drawing/2014/main" id="{5F7EB8F4-95EB-8435-D44C-8BF98FA951E2}"/>
+                <a16:creationId xmlns:a16="http://schemas.microsoft.com/office/drawing/2014/main" id="{7074F417-4F63-7E43-6731-2C680B187B3E}"/>
               </a:ext>
             </a:extLst>
           </p:cNvPr>
@@ -712,7 +712,7 @@
           <a:bodyPr/>
           <a:lstStyle/>
           <a:p>
-            <a:fld id="{87627E96-0B99-49B3-BDBD-BF3A400AFB5A}" type="slidenum">
+            <a:fld id="{4C41D579-D9B9-42B5-8DA8-B26412D87590}" type="slidenum">
               <a:rPr lang="zh-CN" altLang="en-US" smtClean="0"/>
               <a:t>‹#›</a:t>
             </a:fld>
@@ -723,7 +723,7 @@
     </p:spTree>
     <p:extLst>
       <p:ext uri="{BB962C8B-B14F-4D97-AF65-F5344CB8AC3E}">
-        <p14:creationId xmlns:p14="http://schemas.microsoft.com/office/powerpoint/2010/main" val="2485752684"/>
+        <p14:creationId xmlns:p14="http://schemas.microsoft.com/office/powerpoint/2010/main" val="1908774045"/>
       </p:ext>
     </p:extLst>
   </p:cSld>
@@ -755,7 +755,7 @@
           <p:cNvPr id="2" name="标题 1">
             <a:extLst>
               <a:ext uri="{FF2B5EF4-FFF2-40B4-BE49-F238E27FC236}">
-                <a16:creationId xmlns:a16="http://schemas.microsoft.com/office/drawing/2014/main" id="{EDD22891-71CC-82A8-6957-38E3D1CD3A68}"/>
+                <a16:creationId xmlns:a16="http://schemas.microsoft.com/office/drawing/2014/main" id="{D126DFC7-E468-A2A8-02FB-343CA9C46BD2}"/>
               </a:ext>
             </a:extLst>
           </p:cNvPr>
@@ -783,7 +783,7 @@
           <p:cNvPr id="3" name="内容占位符 2">
             <a:extLst>
               <a:ext uri="{FF2B5EF4-FFF2-40B4-BE49-F238E27FC236}">
-                <a16:creationId xmlns:a16="http://schemas.microsoft.com/office/drawing/2014/main" id="{EB3A262A-C0F5-7294-1B3B-4F4249334DD9}"/>
+                <a16:creationId xmlns:a16="http://schemas.microsoft.com/office/drawing/2014/main" id="{5D205662-5658-ACD9-F99F-4B6AF46C8B30}"/>
               </a:ext>
             </a:extLst>
           </p:cNvPr>
@@ -840,7 +840,7 @@
           <p:cNvPr id="4" name="日期占位符 3">
             <a:extLst>
               <a:ext uri="{FF2B5EF4-FFF2-40B4-BE49-F238E27FC236}">
-                <a16:creationId xmlns:a16="http://schemas.microsoft.com/office/drawing/2014/main" id="{22FED737-714E-F36E-1F81-46A1ED20A190}"/>
+                <a16:creationId xmlns:a16="http://schemas.microsoft.com/office/drawing/2014/main" id="{BA2FF91D-B1D8-AF6B-3234-A6F0231FB9F3}"/>
               </a:ext>
             </a:extLst>
           </p:cNvPr>
@@ -856,7 +856,7 @@
           <a:bodyPr/>
           <a:lstStyle/>
           <a:p>
-            <a:fld id="{8DDEFE9A-F131-40C0-B3FA-B655EB45DC9D}" type="datetimeFigureOut">
+            <a:fld id="{153324E0-4080-48D0-A853-9A9267D4EC66}" type="datetimeFigureOut">
               <a:rPr lang="zh-CN" altLang="en-US" smtClean="0"/>
               <a:t>2024/3/10</a:t>
             </a:fld>
@@ -869,7 +869,7 @@
           <p:cNvPr id="5" name="页脚占位符 4">
             <a:extLst>
               <a:ext uri="{FF2B5EF4-FFF2-40B4-BE49-F238E27FC236}">
-                <a16:creationId xmlns:a16="http://schemas.microsoft.com/office/drawing/2014/main" id="{766A3A7D-6F53-8F46-B79E-BBEA73D360CD}"/>
+                <a16:creationId xmlns:a16="http://schemas.microsoft.com/office/drawing/2014/main" id="{B1315C73-1513-0FFD-7F33-0A9851EEB718}"/>
               </a:ext>
             </a:extLst>
           </p:cNvPr>
@@ -894,7 +894,7 @@
           <p:cNvPr id="6" name="灯片编号占位符 5">
             <a:extLst>
               <a:ext uri="{FF2B5EF4-FFF2-40B4-BE49-F238E27FC236}">
-                <a16:creationId xmlns:a16="http://schemas.microsoft.com/office/drawing/2014/main" id="{4D376E5A-4177-75F5-0599-BAED69EC6ADD}"/>
+                <a16:creationId xmlns:a16="http://schemas.microsoft.com/office/drawing/2014/main" id="{374D772C-A703-8BB2-8513-4353D45D293E}"/>
               </a:ext>
             </a:extLst>
           </p:cNvPr>
@@ -910,7 +910,7 @@
           <a:bodyPr/>
           <a:lstStyle/>
           <a:p>
-            <a:fld id="{87627E96-0B99-49B3-BDBD-BF3A400AFB5A}" type="slidenum">
+            <a:fld id="{4C41D579-D9B9-42B5-8DA8-B26412D87590}" type="slidenum">
               <a:rPr lang="zh-CN" altLang="en-US" smtClean="0"/>
               <a:t>‹#›</a:t>
             </a:fld>
@@ -921,7 +921,7 @@
     </p:spTree>
     <p:extLst>
       <p:ext uri="{BB962C8B-B14F-4D97-AF65-F5344CB8AC3E}">
-        <p14:creationId xmlns:p14="http://schemas.microsoft.com/office/powerpoint/2010/main" val="3719855519"/>
+        <p14:creationId xmlns:p14="http://schemas.microsoft.com/office/powerpoint/2010/main" val="39340034"/>
       </p:ext>
     </p:extLst>
   </p:cSld>
@@ -953,7 +953,7 @@
           <p:cNvPr id="2" name="标题 1">
             <a:extLst>
               <a:ext uri="{FF2B5EF4-FFF2-40B4-BE49-F238E27FC236}">
-                <a16:creationId xmlns:a16="http://schemas.microsoft.com/office/drawing/2014/main" id="{2B8BF637-2CE1-88A1-1CE8-085FE0573BC8}"/>
+                <a16:creationId xmlns:a16="http://schemas.microsoft.com/office/drawing/2014/main" id="{E7DF995F-DF25-8C3F-EDC4-777F3BEF81C2}"/>
               </a:ext>
             </a:extLst>
           </p:cNvPr>
@@ -990,7 +990,7 @@
           <p:cNvPr id="3" name="文本占位符 2">
             <a:extLst>
               <a:ext uri="{FF2B5EF4-FFF2-40B4-BE49-F238E27FC236}">
-                <a16:creationId xmlns:a16="http://schemas.microsoft.com/office/drawing/2014/main" id="{ACC85BA6-B2D1-6F18-D6D3-4BE57B427AFD}"/>
+                <a16:creationId xmlns:a16="http://schemas.microsoft.com/office/drawing/2014/main" id="{CF8771C7-0FBA-0FF2-8B4A-74D56BD6D0E2}"/>
               </a:ext>
             </a:extLst>
           </p:cNvPr>
@@ -1115,7 +1115,7 @@
           <p:cNvPr id="4" name="日期占位符 3">
             <a:extLst>
               <a:ext uri="{FF2B5EF4-FFF2-40B4-BE49-F238E27FC236}">
-                <a16:creationId xmlns:a16="http://schemas.microsoft.com/office/drawing/2014/main" id="{22B83E26-6134-46E6-CCD7-E8F37F2B1912}"/>
+                <a16:creationId xmlns:a16="http://schemas.microsoft.com/office/drawing/2014/main" id="{419BF8F5-4BF1-93FB-A5F8-ABF84FC24189}"/>
               </a:ext>
             </a:extLst>
           </p:cNvPr>
@@ -1131,7 +1131,7 @@
           <a:bodyPr/>
           <a:lstStyle/>
           <a:p>
-            <a:fld id="{8DDEFE9A-F131-40C0-B3FA-B655EB45DC9D}" type="datetimeFigureOut">
+            <a:fld id="{153324E0-4080-48D0-A853-9A9267D4EC66}" type="datetimeFigureOut">
               <a:rPr lang="zh-CN" altLang="en-US" smtClean="0"/>
               <a:t>2024/3/10</a:t>
             </a:fld>
@@ -1144,7 +1144,7 @@
           <p:cNvPr id="5" name="页脚占位符 4">
             <a:extLst>
               <a:ext uri="{FF2B5EF4-FFF2-40B4-BE49-F238E27FC236}">
-                <a16:creationId xmlns:a16="http://schemas.microsoft.com/office/drawing/2014/main" id="{C1982171-B880-4F55-9556-E35D94B2FA4F}"/>
+                <a16:creationId xmlns:a16="http://schemas.microsoft.com/office/drawing/2014/main" id="{A700D05D-A8AF-6919-6E57-47C2ACBF8B61}"/>
               </a:ext>
             </a:extLst>
           </p:cNvPr>
@@ -1169,7 +1169,7 @@
           <p:cNvPr id="6" name="灯片编号占位符 5">
             <a:extLst>
               <a:ext uri="{FF2B5EF4-FFF2-40B4-BE49-F238E27FC236}">
-                <a16:creationId xmlns:a16="http://schemas.microsoft.com/office/drawing/2014/main" id="{1ABB73FB-9277-B46C-7D1C-2779EC910E01}"/>
+                <a16:creationId xmlns:a16="http://schemas.microsoft.com/office/drawing/2014/main" id="{884A39D7-F8D7-155F-AD4F-EB5ED168443B}"/>
               </a:ext>
             </a:extLst>
           </p:cNvPr>
@@ -1185,7 +1185,7 @@
           <a:bodyPr/>
           <a:lstStyle/>
           <a:p>
-            <a:fld id="{87627E96-0B99-49B3-BDBD-BF3A400AFB5A}" type="slidenum">
+            <a:fld id="{4C41D579-D9B9-42B5-8DA8-B26412D87590}" type="slidenum">
               <a:rPr lang="zh-CN" altLang="en-US" smtClean="0"/>
               <a:t>‹#›</a:t>
             </a:fld>
@@ -1196,7 +1196,7 @@
     </p:spTree>
     <p:extLst>
       <p:ext uri="{BB962C8B-B14F-4D97-AF65-F5344CB8AC3E}">
-        <p14:creationId xmlns:p14="http://schemas.microsoft.com/office/powerpoint/2010/main" val="3023238587"/>
+        <p14:creationId xmlns:p14="http://schemas.microsoft.com/office/powerpoint/2010/main" val="4203890690"/>
       </p:ext>
     </p:extLst>
   </p:cSld>
@@ -1228,7 +1228,7 @@
           <p:cNvPr id="2" name="标题 1">
             <a:extLst>
               <a:ext uri="{FF2B5EF4-FFF2-40B4-BE49-F238E27FC236}">
-                <a16:creationId xmlns:a16="http://schemas.microsoft.com/office/drawing/2014/main" id="{6B791C38-6F0A-B046-1A2B-68D2E3649D23}"/>
+                <a16:creationId xmlns:a16="http://schemas.microsoft.com/office/drawing/2014/main" id="{FC046325-9A05-98CF-3EBD-EE4D8C2C95A3}"/>
               </a:ext>
             </a:extLst>
           </p:cNvPr>
@@ -1256,7 +1256,7 @@
           <p:cNvPr id="3" name="内容占位符 2">
             <a:extLst>
               <a:ext uri="{FF2B5EF4-FFF2-40B4-BE49-F238E27FC236}">
-                <a16:creationId xmlns:a16="http://schemas.microsoft.com/office/drawing/2014/main" id="{C53068E0-D38D-460B-7205-2E86F232D120}"/>
+                <a16:creationId xmlns:a16="http://schemas.microsoft.com/office/drawing/2014/main" id="{CC933081-4860-DD6A-D33A-9EF7B4639654}"/>
               </a:ext>
             </a:extLst>
           </p:cNvPr>
@@ -1318,7 +1318,7 @@
           <p:cNvPr id="4" name="内容占位符 3">
             <a:extLst>
               <a:ext uri="{FF2B5EF4-FFF2-40B4-BE49-F238E27FC236}">
-                <a16:creationId xmlns:a16="http://schemas.microsoft.com/office/drawing/2014/main" id="{A62DE19B-49F5-15A6-EB7B-823D1E9B6A87}"/>
+                <a16:creationId xmlns:a16="http://schemas.microsoft.com/office/drawing/2014/main" id="{C8CDD169-8F8F-AFDB-3BDC-553D41E02885}"/>
               </a:ext>
             </a:extLst>
           </p:cNvPr>
@@ -1380,7 +1380,7 @@
           <p:cNvPr id="5" name="日期占位符 4">
             <a:extLst>
               <a:ext uri="{FF2B5EF4-FFF2-40B4-BE49-F238E27FC236}">
-                <a16:creationId xmlns:a16="http://schemas.microsoft.com/office/drawing/2014/main" id="{267DFE20-F1B1-BBB7-9820-96D695ACCCFE}"/>
+                <a16:creationId xmlns:a16="http://schemas.microsoft.com/office/drawing/2014/main" id="{16DBF2F5-81E8-B82A-1687-87339A67B2FE}"/>
               </a:ext>
             </a:extLst>
           </p:cNvPr>
@@ -1396,7 +1396,7 @@
           <a:bodyPr/>
           <a:lstStyle/>
           <a:p>
-            <a:fld id="{8DDEFE9A-F131-40C0-B3FA-B655EB45DC9D}" type="datetimeFigureOut">
+            <a:fld id="{153324E0-4080-48D0-A853-9A9267D4EC66}" type="datetimeFigureOut">
               <a:rPr lang="zh-CN" altLang="en-US" smtClean="0"/>
               <a:t>2024/3/10</a:t>
             </a:fld>
@@ -1409,7 +1409,7 @@
           <p:cNvPr id="6" name="页脚占位符 5">
             <a:extLst>
               <a:ext uri="{FF2B5EF4-FFF2-40B4-BE49-F238E27FC236}">
-                <a16:creationId xmlns:a16="http://schemas.microsoft.com/office/drawing/2014/main" id="{CE574959-2815-8748-6F70-D6FED84B5314}"/>
+                <a16:creationId xmlns:a16="http://schemas.microsoft.com/office/drawing/2014/main" id="{9BC64F63-36D0-9CF7-D0B8-931F4F60E165}"/>
               </a:ext>
             </a:extLst>
           </p:cNvPr>
@@ -1434,7 +1434,7 @@
           <p:cNvPr id="7" name="灯片编号占位符 6">
             <a:extLst>
               <a:ext uri="{FF2B5EF4-FFF2-40B4-BE49-F238E27FC236}">
-                <a16:creationId xmlns:a16="http://schemas.microsoft.com/office/drawing/2014/main" id="{46EACD73-49A0-49D7-D5BB-B799EB9A5E1C}"/>
+                <a16:creationId xmlns:a16="http://schemas.microsoft.com/office/drawing/2014/main" id="{8CB573AD-75B7-93DC-CA6E-3C0420E28C60}"/>
               </a:ext>
             </a:extLst>
           </p:cNvPr>
@@ -1450,7 +1450,7 @@
           <a:bodyPr/>
           <a:lstStyle/>
           <a:p>
-            <a:fld id="{87627E96-0B99-49B3-BDBD-BF3A400AFB5A}" type="slidenum">
+            <a:fld id="{4C41D579-D9B9-42B5-8DA8-B26412D87590}" type="slidenum">
               <a:rPr lang="zh-CN" altLang="en-US" smtClean="0"/>
               <a:t>‹#›</a:t>
             </a:fld>
@@ -1461,7 +1461,7 @@
     </p:spTree>
     <p:extLst>
       <p:ext uri="{BB962C8B-B14F-4D97-AF65-F5344CB8AC3E}">
-        <p14:creationId xmlns:p14="http://schemas.microsoft.com/office/powerpoint/2010/main" val="1958249006"/>
+        <p14:creationId xmlns:p14="http://schemas.microsoft.com/office/powerpoint/2010/main" val="457998614"/>
       </p:ext>
     </p:extLst>
   </p:cSld>
@@ -1493,7 +1493,7 @@
           <p:cNvPr id="2" name="标题 1">
             <a:extLst>
               <a:ext uri="{FF2B5EF4-FFF2-40B4-BE49-F238E27FC236}">
-                <a16:creationId xmlns:a16="http://schemas.microsoft.com/office/drawing/2014/main" id="{29BE5B75-A3C7-F6FC-F437-43F25162779A}"/>
+                <a16:creationId xmlns:a16="http://schemas.microsoft.com/office/drawing/2014/main" id="{D77990BF-8527-3363-CD8F-28C0F9564A0D}"/>
               </a:ext>
             </a:extLst>
           </p:cNvPr>
@@ -1526,7 +1526,7 @@
           <p:cNvPr id="3" name="文本占位符 2">
             <a:extLst>
               <a:ext uri="{FF2B5EF4-FFF2-40B4-BE49-F238E27FC236}">
-                <a16:creationId xmlns:a16="http://schemas.microsoft.com/office/drawing/2014/main" id="{DFF56A3C-4162-3992-5677-03BBAA82FA61}"/>
+                <a16:creationId xmlns:a16="http://schemas.microsoft.com/office/drawing/2014/main" id="{3B4622BF-D228-5C90-904C-CC3F04A863D9}"/>
               </a:ext>
             </a:extLst>
           </p:cNvPr>
@@ -1597,7 +1597,7 @@
           <p:cNvPr id="4" name="内容占位符 3">
             <a:extLst>
               <a:ext uri="{FF2B5EF4-FFF2-40B4-BE49-F238E27FC236}">
-                <a16:creationId xmlns:a16="http://schemas.microsoft.com/office/drawing/2014/main" id="{D3166F34-6A55-A259-762E-3844960E8163}"/>
+                <a16:creationId xmlns:a16="http://schemas.microsoft.com/office/drawing/2014/main" id="{870F9DCB-3504-516C-F8BC-91DEFD5007AA}"/>
               </a:ext>
             </a:extLst>
           </p:cNvPr>
@@ -1659,7 +1659,7 @@
           <p:cNvPr id="5" name="文本占位符 4">
             <a:extLst>
               <a:ext uri="{FF2B5EF4-FFF2-40B4-BE49-F238E27FC236}">
-                <a16:creationId xmlns:a16="http://schemas.microsoft.com/office/drawing/2014/main" id="{C952FAC8-74C9-151F-07AB-8884D025B3FE}"/>
+                <a16:creationId xmlns:a16="http://schemas.microsoft.com/office/drawing/2014/main" id="{3166B1F9-860D-E791-4F31-3DF2B6B35160}"/>
               </a:ext>
             </a:extLst>
           </p:cNvPr>
@@ -1730,7 +1730,7 @@
           <p:cNvPr id="6" name="内容占位符 5">
             <a:extLst>
               <a:ext uri="{FF2B5EF4-FFF2-40B4-BE49-F238E27FC236}">
-                <a16:creationId xmlns:a16="http://schemas.microsoft.com/office/drawing/2014/main" id="{61D9B445-CEE7-11D1-DBAC-01C2F21273C5}"/>
+                <a16:creationId xmlns:a16="http://schemas.microsoft.com/office/drawing/2014/main" id="{264404B0-8865-279D-72C6-C43C0C446239}"/>
               </a:ext>
             </a:extLst>
           </p:cNvPr>
@@ -1792,7 +1792,7 @@
           <p:cNvPr id="7" name="日期占位符 6">
             <a:extLst>
               <a:ext uri="{FF2B5EF4-FFF2-40B4-BE49-F238E27FC236}">
-                <a16:creationId xmlns:a16="http://schemas.microsoft.com/office/drawing/2014/main" id="{06404A59-F893-0D2A-CC92-8C5EFB3158FF}"/>
+                <a16:creationId xmlns:a16="http://schemas.microsoft.com/office/drawing/2014/main" id="{937644D9-B156-CC91-3D62-9429799BF9AA}"/>
               </a:ext>
             </a:extLst>
           </p:cNvPr>
@@ -1808,7 +1808,7 @@
           <a:bodyPr/>
           <a:lstStyle/>
           <a:p>
-            <a:fld id="{8DDEFE9A-F131-40C0-B3FA-B655EB45DC9D}" type="datetimeFigureOut">
+            <a:fld id="{153324E0-4080-48D0-A853-9A9267D4EC66}" type="datetimeFigureOut">
               <a:rPr lang="zh-CN" altLang="en-US" smtClean="0"/>
               <a:t>2024/3/10</a:t>
             </a:fld>
@@ -1821,7 +1821,7 @@
           <p:cNvPr id="8" name="页脚占位符 7">
             <a:extLst>
               <a:ext uri="{FF2B5EF4-FFF2-40B4-BE49-F238E27FC236}">
-                <a16:creationId xmlns:a16="http://schemas.microsoft.com/office/drawing/2014/main" id="{CBD0C393-DB66-EFC9-1620-01253DB2A77E}"/>
+                <a16:creationId xmlns:a16="http://schemas.microsoft.com/office/drawing/2014/main" id="{6D429B76-817A-35E5-7F4A-3C72F57F7C75}"/>
               </a:ext>
             </a:extLst>
           </p:cNvPr>
@@ -1846,7 +1846,7 @@
           <p:cNvPr id="9" name="灯片编号占位符 8">
             <a:extLst>
               <a:ext uri="{FF2B5EF4-FFF2-40B4-BE49-F238E27FC236}">
-                <a16:creationId xmlns:a16="http://schemas.microsoft.com/office/drawing/2014/main" id="{59192AFF-5BFF-B37C-D517-228B0C23507A}"/>
+                <a16:creationId xmlns:a16="http://schemas.microsoft.com/office/drawing/2014/main" id="{55D4C7EB-C0C2-7E64-40F4-7EB0AAB4F40D}"/>
               </a:ext>
             </a:extLst>
           </p:cNvPr>
@@ -1862,7 +1862,7 @@
           <a:bodyPr/>
           <a:lstStyle/>
           <a:p>
-            <a:fld id="{87627E96-0B99-49B3-BDBD-BF3A400AFB5A}" type="slidenum">
+            <a:fld id="{4C41D579-D9B9-42B5-8DA8-B26412D87590}" type="slidenum">
               <a:rPr lang="zh-CN" altLang="en-US" smtClean="0"/>
               <a:t>‹#›</a:t>
             </a:fld>
@@ -1873,7 +1873,7 @@
     </p:spTree>
     <p:extLst>
       <p:ext uri="{BB962C8B-B14F-4D97-AF65-F5344CB8AC3E}">
-        <p14:creationId xmlns:p14="http://schemas.microsoft.com/office/powerpoint/2010/main" val="2271193372"/>
+        <p14:creationId xmlns:p14="http://schemas.microsoft.com/office/powerpoint/2010/main" val="3684691856"/>
       </p:ext>
     </p:extLst>
   </p:cSld>
@@ -1905,7 +1905,7 @@
           <p:cNvPr id="2" name="标题 1">
             <a:extLst>
               <a:ext uri="{FF2B5EF4-FFF2-40B4-BE49-F238E27FC236}">
-                <a16:creationId xmlns:a16="http://schemas.microsoft.com/office/drawing/2014/main" id="{D495F40D-09E8-1254-737E-B2D96EF7EC3B}"/>
+                <a16:creationId xmlns:a16="http://schemas.microsoft.com/office/drawing/2014/main" id="{9337451C-C089-6035-9FAF-7D9AC51814D1}"/>
               </a:ext>
             </a:extLst>
           </p:cNvPr>
@@ -1933,7 +1933,7 @@
           <p:cNvPr id="3" name="日期占位符 2">
             <a:extLst>
               <a:ext uri="{FF2B5EF4-FFF2-40B4-BE49-F238E27FC236}">
-                <a16:creationId xmlns:a16="http://schemas.microsoft.com/office/drawing/2014/main" id="{15535068-8D9B-B02F-9B29-CB58867A1DB8}"/>
+                <a16:creationId xmlns:a16="http://schemas.microsoft.com/office/drawing/2014/main" id="{EFD4AC4C-24B5-EEEF-98CD-0CB31EB95A2C}"/>
               </a:ext>
             </a:extLst>
           </p:cNvPr>
@@ -1949,7 +1949,7 @@
           <a:bodyPr/>
           <a:lstStyle/>
           <a:p>
-            <a:fld id="{8DDEFE9A-F131-40C0-B3FA-B655EB45DC9D}" type="datetimeFigureOut">
+            <a:fld id="{153324E0-4080-48D0-A853-9A9267D4EC66}" type="datetimeFigureOut">
               <a:rPr lang="zh-CN" altLang="en-US" smtClean="0"/>
               <a:t>2024/3/10</a:t>
             </a:fld>
@@ -1962,7 +1962,7 @@
           <p:cNvPr id="4" name="页脚占位符 3">
             <a:extLst>
               <a:ext uri="{FF2B5EF4-FFF2-40B4-BE49-F238E27FC236}">
-                <a16:creationId xmlns:a16="http://schemas.microsoft.com/office/drawing/2014/main" id="{020D0A55-C8E9-9673-A92F-132D15D6E61C}"/>
+                <a16:creationId xmlns:a16="http://schemas.microsoft.com/office/drawing/2014/main" id="{C8A19E50-9D15-BC13-FA4B-916EDD4F639B}"/>
               </a:ext>
             </a:extLst>
           </p:cNvPr>
@@ -1987,7 +1987,7 @@
           <p:cNvPr id="5" name="灯片编号占位符 4">
             <a:extLst>
               <a:ext uri="{FF2B5EF4-FFF2-40B4-BE49-F238E27FC236}">
-                <a16:creationId xmlns:a16="http://schemas.microsoft.com/office/drawing/2014/main" id="{9F033647-EA89-326C-8546-73D5283684C1}"/>
+                <a16:creationId xmlns:a16="http://schemas.microsoft.com/office/drawing/2014/main" id="{A4EB0C5E-D787-CACB-41EF-822538C8758A}"/>
               </a:ext>
             </a:extLst>
           </p:cNvPr>
@@ -2003,7 +2003,7 @@
           <a:bodyPr/>
           <a:lstStyle/>
           <a:p>
-            <a:fld id="{87627E96-0B99-49B3-BDBD-BF3A400AFB5A}" type="slidenum">
+            <a:fld id="{4C41D579-D9B9-42B5-8DA8-B26412D87590}" type="slidenum">
               <a:rPr lang="zh-CN" altLang="en-US" smtClean="0"/>
               <a:t>‹#›</a:t>
             </a:fld>
@@ -2014,7 +2014,7 @@
     </p:spTree>
     <p:extLst>
       <p:ext uri="{BB962C8B-B14F-4D97-AF65-F5344CB8AC3E}">
-        <p14:creationId xmlns:p14="http://schemas.microsoft.com/office/powerpoint/2010/main" val="3072337721"/>
+        <p14:creationId xmlns:p14="http://schemas.microsoft.com/office/powerpoint/2010/main" val="349288294"/>
       </p:ext>
     </p:extLst>
   </p:cSld>
@@ -2046,7 +2046,7 @@
           <p:cNvPr id="2" name="日期占位符 1">
             <a:extLst>
               <a:ext uri="{FF2B5EF4-FFF2-40B4-BE49-F238E27FC236}">
-                <a16:creationId xmlns:a16="http://schemas.microsoft.com/office/drawing/2014/main" id="{995F502E-AFA1-8E73-F46B-834008054FB4}"/>
+                <a16:creationId xmlns:a16="http://schemas.microsoft.com/office/drawing/2014/main" id="{2561EB01-CC02-55A4-1E78-5D41DAB3E12F}"/>
               </a:ext>
             </a:extLst>
           </p:cNvPr>
@@ -2062,7 +2062,7 @@
           <a:bodyPr/>
           <a:lstStyle/>
           <a:p>
-            <a:fld id="{8DDEFE9A-F131-40C0-B3FA-B655EB45DC9D}" type="datetimeFigureOut">
+            <a:fld id="{153324E0-4080-48D0-A853-9A9267D4EC66}" type="datetimeFigureOut">
               <a:rPr lang="zh-CN" altLang="en-US" smtClean="0"/>
               <a:t>2024/3/10</a:t>
             </a:fld>
@@ -2075,7 +2075,7 @@
           <p:cNvPr id="3" name="页脚占位符 2">
             <a:extLst>
               <a:ext uri="{FF2B5EF4-FFF2-40B4-BE49-F238E27FC236}">
-                <a16:creationId xmlns:a16="http://schemas.microsoft.com/office/drawing/2014/main" id="{42EDCB36-B412-E344-016E-82667E9CB96A}"/>
+                <a16:creationId xmlns:a16="http://schemas.microsoft.com/office/drawing/2014/main" id="{88449E2B-870F-D48B-3DE5-248FC14EB48E}"/>
               </a:ext>
             </a:extLst>
           </p:cNvPr>
@@ -2100,7 +2100,7 @@
           <p:cNvPr id="4" name="灯片编号占位符 3">
             <a:extLst>
               <a:ext uri="{FF2B5EF4-FFF2-40B4-BE49-F238E27FC236}">
-                <a16:creationId xmlns:a16="http://schemas.microsoft.com/office/drawing/2014/main" id="{5AAD26E5-F8E3-032C-D3B6-274083B6BD97}"/>
+                <a16:creationId xmlns:a16="http://schemas.microsoft.com/office/drawing/2014/main" id="{B141E02C-77F5-F521-0DDD-9DEE9149CE90}"/>
               </a:ext>
             </a:extLst>
           </p:cNvPr>
@@ -2116,7 +2116,7 @@
           <a:bodyPr/>
           <a:lstStyle/>
           <a:p>
-            <a:fld id="{87627E96-0B99-49B3-BDBD-BF3A400AFB5A}" type="slidenum">
+            <a:fld id="{4C41D579-D9B9-42B5-8DA8-B26412D87590}" type="slidenum">
               <a:rPr lang="zh-CN" altLang="en-US" smtClean="0"/>
               <a:t>‹#›</a:t>
             </a:fld>
@@ -2127,7 +2127,7 @@
     </p:spTree>
     <p:extLst>
       <p:ext uri="{BB962C8B-B14F-4D97-AF65-F5344CB8AC3E}">
-        <p14:creationId xmlns:p14="http://schemas.microsoft.com/office/powerpoint/2010/main" val="2770346505"/>
+        <p14:creationId xmlns:p14="http://schemas.microsoft.com/office/powerpoint/2010/main" val="3359124257"/>
       </p:ext>
     </p:extLst>
   </p:cSld>
@@ -2159,7 +2159,7 @@
           <p:cNvPr id="2" name="标题 1">
             <a:extLst>
               <a:ext uri="{FF2B5EF4-FFF2-40B4-BE49-F238E27FC236}">
-                <a16:creationId xmlns:a16="http://schemas.microsoft.com/office/drawing/2014/main" id="{BC6F1625-4B35-3056-7FCB-530313D8D06B}"/>
+                <a16:creationId xmlns:a16="http://schemas.microsoft.com/office/drawing/2014/main" id="{AC4AC9AB-DA34-4B9F-ADC8-C179AEACE8CC}"/>
               </a:ext>
             </a:extLst>
           </p:cNvPr>
@@ -2196,7 +2196,7 @@
           <p:cNvPr id="3" name="内容占位符 2">
             <a:extLst>
               <a:ext uri="{FF2B5EF4-FFF2-40B4-BE49-F238E27FC236}">
-                <a16:creationId xmlns:a16="http://schemas.microsoft.com/office/drawing/2014/main" id="{C3C71789-C033-B12C-98AB-588188A75094}"/>
+                <a16:creationId xmlns:a16="http://schemas.microsoft.com/office/drawing/2014/main" id="{7901CCAF-2F49-4CA1-19B3-16519DB39C6A}"/>
               </a:ext>
             </a:extLst>
           </p:cNvPr>
@@ -2286,7 +2286,7 @@
           <p:cNvPr id="4" name="文本占位符 3">
             <a:extLst>
               <a:ext uri="{FF2B5EF4-FFF2-40B4-BE49-F238E27FC236}">
-                <a16:creationId xmlns:a16="http://schemas.microsoft.com/office/drawing/2014/main" id="{43F0FD42-7318-FB4B-C7DE-1D4C9C428F12}"/>
+                <a16:creationId xmlns:a16="http://schemas.microsoft.com/office/drawing/2014/main" id="{B1559A05-546C-2D7C-A4D5-966D598D4C04}"/>
               </a:ext>
             </a:extLst>
           </p:cNvPr>
@@ -2357,7 +2357,7 @@
           <p:cNvPr id="5" name="日期占位符 4">
             <a:extLst>
               <a:ext uri="{FF2B5EF4-FFF2-40B4-BE49-F238E27FC236}">
-                <a16:creationId xmlns:a16="http://schemas.microsoft.com/office/drawing/2014/main" id="{6197931E-C9EE-9C4B-3A79-05ACEB76E211}"/>
+                <a16:creationId xmlns:a16="http://schemas.microsoft.com/office/drawing/2014/main" id="{E7E91572-824E-1B82-8869-FA73E196659A}"/>
               </a:ext>
             </a:extLst>
           </p:cNvPr>
@@ -2373,7 +2373,7 @@
           <a:bodyPr/>
           <a:lstStyle/>
           <a:p>
-            <a:fld id="{8DDEFE9A-F131-40C0-B3FA-B655EB45DC9D}" type="datetimeFigureOut">
+            <a:fld id="{153324E0-4080-48D0-A853-9A9267D4EC66}" type="datetimeFigureOut">
               <a:rPr lang="zh-CN" altLang="en-US" smtClean="0"/>
               <a:t>2024/3/10</a:t>
             </a:fld>
@@ -2386,7 +2386,7 @@
           <p:cNvPr id="6" name="页脚占位符 5">
             <a:extLst>
               <a:ext uri="{FF2B5EF4-FFF2-40B4-BE49-F238E27FC236}">
-                <a16:creationId xmlns:a16="http://schemas.microsoft.com/office/drawing/2014/main" id="{CD0BB8AA-D24A-E623-F28E-A1747A54EBE0}"/>
+                <a16:creationId xmlns:a16="http://schemas.microsoft.com/office/drawing/2014/main" id="{7DADBBC7-735C-8CB4-10D8-0F74380E0400}"/>
               </a:ext>
             </a:extLst>
           </p:cNvPr>
@@ -2411,7 +2411,7 @@
           <p:cNvPr id="7" name="灯片编号占位符 6">
             <a:extLst>
               <a:ext uri="{FF2B5EF4-FFF2-40B4-BE49-F238E27FC236}">
-                <a16:creationId xmlns:a16="http://schemas.microsoft.com/office/drawing/2014/main" id="{E7F66954-FED1-B209-151B-5CBA0D322F33}"/>
+                <a16:creationId xmlns:a16="http://schemas.microsoft.com/office/drawing/2014/main" id="{7AC9CECD-1F6A-85B7-80F2-D5C3524E53E1}"/>
               </a:ext>
             </a:extLst>
           </p:cNvPr>
@@ -2427,7 +2427,7 @@
           <a:bodyPr/>
           <a:lstStyle/>
           <a:p>
-            <a:fld id="{87627E96-0B99-49B3-BDBD-BF3A400AFB5A}" type="slidenum">
+            <a:fld id="{4C41D579-D9B9-42B5-8DA8-B26412D87590}" type="slidenum">
               <a:rPr lang="zh-CN" altLang="en-US" smtClean="0"/>
               <a:t>‹#›</a:t>
             </a:fld>
@@ -2438,7 +2438,7 @@
     </p:spTree>
     <p:extLst>
       <p:ext uri="{BB962C8B-B14F-4D97-AF65-F5344CB8AC3E}">
-        <p14:creationId xmlns:p14="http://schemas.microsoft.com/office/powerpoint/2010/main" val="879312989"/>
+        <p14:creationId xmlns:p14="http://schemas.microsoft.com/office/powerpoint/2010/main" val="3607770363"/>
       </p:ext>
     </p:extLst>
   </p:cSld>
@@ -2470,7 +2470,7 @@
           <p:cNvPr id="2" name="标题 1">
             <a:extLst>
               <a:ext uri="{FF2B5EF4-FFF2-40B4-BE49-F238E27FC236}">
-                <a16:creationId xmlns:a16="http://schemas.microsoft.com/office/drawing/2014/main" id="{A9307884-0D30-9D8F-6014-E71E86C33841}"/>
+                <a16:creationId xmlns:a16="http://schemas.microsoft.com/office/drawing/2014/main" id="{F266AB14-CA53-F26B-C292-790542A78560}"/>
               </a:ext>
             </a:extLst>
           </p:cNvPr>
@@ -2507,7 +2507,7 @@
           <p:cNvPr id="3" name="图片占位符 2">
             <a:extLst>
               <a:ext uri="{FF2B5EF4-FFF2-40B4-BE49-F238E27FC236}">
-                <a16:creationId xmlns:a16="http://schemas.microsoft.com/office/drawing/2014/main" id="{767A21E7-1E21-C06E-38A2-34B207C3276A}"/>
+                <a16:creationId xmlns:a16="http://schemas.microsoft.com/office/drawing/2014/main" id="{FFE9A684-A7A9-DD5E-7E3C-3CA8B8F0A630}"/>
               </a:ext>
             </a:extLst>
           </p:cNvPr>
@@ -2574,7 +2574,7 @@
           <p:cNvPr id="4" name="文本占位符 3">
             <a:extLst>
               <a:ext uri="{FF2B5EF4-FFF2-40B4-BE49-F238E27FC236}">
-                <a16:creationId xmlns:a16="http://schemas.microsoft.com/office/drawing/2014/main" id="{7848A8C6-4B4F-490B-3EEF-18A85A7AB536}"/>
+                <a16:creationId xmlns:a16="http://schemas.microsoft.com/office/drawing/2014/main" id="{094FAE5E-6BFB-C167-A34F-11D9E429CA2D}"/>
               </a:ext>
             </a:extLst>
           </p:cNvPr>
@@ -2645,7 +2645,7 @@
           <p:cNvPr id="5" name="日期占位符 4">
             <a:extLst>
               <a:ext uri="{FF2B5EF4-FFF2-40B4-BE49-F238E27FC236}">
-                <a16:creationId xmlns:a16="http://schemas.microsoft.com/office/drawing/2014/main" id="{8161E0CB-97D5-21E8-496E-1B62CE30C0B7}"/>
+                <a16:creationId xmlns:a16="http://schemas.microsoft.com/office/drawing/2014/main" id="{48CB9647-B741-35E4-075C-B440838D4D40}"/>
               </a:ext>
             </a:extLst>
           </p:cNvPr>
@@ -2661,7 +2661,7 @@
           <a:bodyPr/>
           <a:lstStyle/>
           <a:p>
-            <a:fld id="{8DDEFE9A-F131-40C0-B3FA-B655EB45DC9D}" type="datetimeFigureOut">
+            <a:fld id="{153324E0-4080-48D0-A853-9A9267D4EC66}" type="datetimeFigureOut">
               <a:rPr lang="zh-CN" altLang="en-US" smtClean="0"/>
               <a:t>2024/3/10</a:t>
             </a:fld>
@@ -2674,7 +2674,7 @@
           <p:cNvPr id="6" name="页脚占位符 5">
             <a:extLst>
               <a:ext uri="{FF2B5EF4-FFF2-40B4-BE49-F238E27FC236}">
-                <a16:creationId xmlns:a16="http://schemas.microsoft.com/office/drawing/2014/main" id="{2A077A96-C379-6D2E-19F9-A14EB8BD99E4}"/>
+                <a16:creationId xmlns:a16="http://schemas.microsoft.com/office/drawing/2014/main" id="{32CC0472-E102-7D30-BF6C-5BB15A35C264}"/>
               </a:ext>
             </a:extLst>
           </p:cNvPr>
@@ -2699,7 +2699,7 @@
           <p:cNvPr id="7" name="灯片编号占位符 6">
             <a:extLst>
               <a:ext uri="{FF2B5EF4-FFF2-40B4-BE49-F238E27FC236}">
-                <a16:creationId xmlns:a16="http://schemas.microsoft.com/office/drawing/2014/main" id="{0F95C0FB-3F7C-A2AC-0D98-1F368275E8C9}"/>
+                <a16:creationId xmlns:a16="http://schemas.microsoft.com/office/drawing/2014/main" id="{EF83CD5F-45B9-0B11-CBC5-2824DC9B8683}"/>
               </a:ext>
             </a:extLst>
           </p:cNvPr>
@@ -2715,7 +2715,7 @@
           <a:bodyPr/>
           <a:lstStyle/>
           <a:p>
-            <a:fld id="{87627E96-0B99-49B3-BDBD-BF3A400AFB5A}" type="slidenum">
+            <a:fld id="{4C41D579-D9B9-42B5-8DA8-B26412D87590}" type="slidenum">
               <a:rPr lang="zh-CN" altLang="en-US" smtClean="0"/>
               <a:t>‹#›</a:t>
             </a:fld>
@@ -2726,7 +2726,7 @@
     </p:spTree>
     <p:extLst>
       <p:ext uri="{BB962C8B-B14F-4D97-AF65-F5344CB8AC3E}">
-        <p14:creationId xmlns:p14="http://schemas.microsoft.com/office/powerpoint/2010/main" val="3469046293"/>
+        <p14:creationId xmlns:p14="http://schemas.microsoft.com/office/powerpoint/2010/main" val="499469188"/>
       </p:ext>
     </p:extLst>
   </p:cSld>
@@ -2763,7 +2763,7 @@
           <p:cNvPr id="2" name="标题占位符 1">
             <a:extLst>
               <a:ext uri="{FF2B5EF4-FFF2-40B4-BE49-F238E27FC236}">
-                <a16:creationId xmlns:a16="http://schemas.microsoft.com/office/drawing/2014/main" id="{818274F0-CD53-6F5B-DEB5-07654AD801A8}"/>
+                <a16:creationId xmlns:a16="http://schemas.microsoft.com/office/drawing/2014/main" id="{D5954045-56D3-E35D-E54A-8A3CE7011722}"/>
               </a:ext>
             </a:extLst>
           </p:cNvPr>
@@ -2801,7 +2801,7 @@
           <p:cNvPr id="3" name="文本占位符 2">
             <a:extLst>
               <a:ext uri="{FF2B5EF4-FFF2-40B4-BE49-F238E27FC236}">
-                <a16:creationId xmlns:a16="http://schemas.microsoft.com/office/drawing/2014/main" id="{917C5FA3-6D8E-40A9-C7D4-C63E5F59DDAC}"/>
+                <a16:creationId xmlns:a16="http://schemas.microsoft.com/office/drawing/2014/main" id="{AB49A71E-7D0E-6817-4315-76E87E612000}"/>
               </a:ext>
             </a:extLst>
           </p:cNvPr>
@@ -2868,7 +2868,7 @@
           <p:cNvPr id="4" name="日期占位符 3">
             <a:extLst>
               <a:ext uri="{FF2B5EF4-FFF2-40B4-BE49-F238E27FC236}">
-                <a16:creationId xmlns:a16="http://schemas.microsoft.com/office/drawing/2014/main" id="{CB08A8A2-29D2-A5D4-F1CE-3E1A72933605}"/>
+                <a16:creationId xmlns:a16="http://schemas.microsoft.com/office/drawing/2014/main" id="{8F51C520-0FB1-CD31-95B1-70B796321E90}"/>
               </a:ext>
             </a:extLst>
           </p:cNvPr>
@@ -2902,7 +2902,7 @@
             </a:lvl1pPr>
           </a:lstStyle>
           <a:p>
-            <a:fld id="{8DDEFE9A-F131-40C0-B3FA-B655EB45DC9D}" type="datetimeFigureOut">
+            <a:fld id="{153324E0-4080-48D0-A853-9A9267D4EC66}" type="datetimeFigureOut">
               <a:rPr lang="zh-CN" altLang="en-US" smtClean="0"/>
               <a:t>2024/3/10</a:t>
             </a:fld>
@@ -2915,7 +2915,7 @@
           <p:cNvPr id="5" name="页脚占位符 4">
             <a:extLst>
               <a:ext uri="{FF2B5EF4-FFF2-40B4-BE49-F238E27FC236}">
-                <a16:creationId xmlns:a16="http://schemas.microsoft.com/office/drawing/2014/main" id="{4533C325-BC75-4C41-A086-8448DD194DE0}"/>
+                <a16:creationId xmlns:a16="http://schemas.microsoft.com/office/drawing/2014/main" id="{CE3B4893-22D8-38BD-A651-97851480EEE2}"/>
               </a:ext>
             </a:extLst>
           </p:cNvPr>
@@ -2958,7 +2958,7 @@
           <p:cNvPr id="6" name="灯片编号占位符 5">
             <a:extLst>
               <a:ext uri="{FF2B5EF4-FFF2-40B4-BE49-F238E27FC236}">
-                <a16:creationId xmlns:a16="http://schemas.microsoft.com/office/drawing/2014/main" id="{D87A023F-F95F-F4B4-D92C-FC424BD5A86D}"/>
+                <a16:creationId xmlns:a16="http://schemas.microsoft.com/office/drawing/2014/main" id="{A9A6A018-3E5E-65B9-867C-7F27D5F3F747}"/>
               </a:ext>
             </a:extLst>
           </p:cNvPr>
@@ -2992,7 +2992,7 @@
             </a:lvl1pPr>
           </a:lstStyle>
           <a:p>
-            <a:fld id="{87627E96-0B99-49B3-BDBD-BF3A400AFB5A}" type="slidenum">
+            <a:fld id="{4C41D579-D9B9-42B5-8DA8-B26412D87590}" type="slidenum">
               <a:rPr lang="zh-CN" altLang="en-US" smtClean="0"/>
               <a:t>‹#›</a:t>
             </a:fld>
@@ -3003,7 +3003,7 @@
     </p:spTree>
     <p:extLst>
       <p:ext uri="{BB962C8B-B14F-4D97-AF65-F5344CB8AC3E}">
-        <p14:creationId xmlns:p14="http://schemas.microsoft.com/office/powerpoint/2010/main" val="3306622450"/>
+        <p14:creationId xmlns:p14="http://schemas.microsoft.com/office/powerpoint/2010/main" val="4117195386"/>
       </p:ext>
     </p:extLst>
   </p:cSld>
